--- a/Diagrams/DataFlowDiagram.pptx
+++ b/Diagrams/DataFlowDiagram.pptx
@@ -259,7 +259,7 @@
           <a:p>
             <a:fld id="{42EBA33D-7E89-4F4B-AA30-9ED4398DB369}" type="datetimeFigureOut">
               <a:rPr lang="en-US" smtClean="0"/>
-              <a:t>7/22/2022</a:t>
+              <a:t>7/23/2022</a:t>
             </a:fld>
             <a:endParaRPr lang="en-US"/>
           </a:p>
@@ -457,7 +457,7 @@
           <a:p>
             <a:fld id="{42EBA33D-7E89-4F4B-AA30-9ED4398DB369}" type="datetimeFigureOut">
               <a:rPr lang="en-US" smtClean="0"/>
-              <a:t>7/22/2022</a:t>
+              <a:t>7/23/2022</a:t>
             </a:fld>
             <a:endParaRPr lang="en-US"/>
           </a:p>
@@ -665,7 +665,7 @@
           <a:p>
             <a:fld id="{42EBA33D-7E89-4F4B-AA30-9ED4398DB369}" type="datetimeFigureOut">
               <a:rPr lang="en-US" smtClean="0"/>
-              <a:t>7/22/2022</a:t>
+              <a:t>7/23/2022</a:t>
             </a:fld>
             <a:endParaRPr lang="en-US"/>
           </a:p>
@@ -863,7 +863,7 @@
           <a:p>
             <a:fld id="{42EBA33D-7E89-4F4B-AA30-9ED4398DB369}" type="datetimeFigureOut">
               <a:rPr lang="en-US" smtClean="0"/>
-              <a:t>7/22/2022</a:t>
+              <a:t>7/23/2022</a:t>
             </a:fld>
             <a:endParaRPr lang="en-US"/>
           </a:p>
@@ -1138,7 +1138,7 @@
           <a:p>
             <a:fld id="{42EBA33D-7E89-4F4B-AA30-9ED4398DB369}" type="datetimeFigureOut">
               <a:rPr lang="en-US" smtClean="0"/>
-              <a:t>7/22/2022</a:t>
+              <a:t>7/23/2022</a:t>
             </a:fld>
             <a:endParaRPr lang="en-US"/>
           </a:p>
@@ -1403,7 +1403,7 @@
           <a:p>
             <a:fld id="{42EBA33D-7E89-4F4B-AA30-9ED4398DB369}" type="datetimeFigureOut">
               <a:rPr lang="en-US" smtClean="0"/>
-              <a:t>7/22/2022</a:t>
+              <a:t>7/23/2022</a:t>
             </a:fld>
             <a:endParaRPr lang="en-US"/>
           </a:p>
@@ -1815,7 +1815,7 @@
           <a:p>
             <a:fld id="{42EBA33D-7E89-4F4B-AA30-9ED4398DB369}" type="datetimeFigureOut">
               <a:rPr lang="en-US" smtClean="0"/>
-              <a:t>7/22/2022</a:t>
+              <a:t>7/23/2022</a:t>
             </a:fld>
             <a:endParaRPr lang="en-US"/>
           </a:p>
@@ -1956,7 +1956,7 @@
           <a:p>
             <a:fld id="{42EBA33D-7E89-4F4B-AA30-9ED4398DB369}" type="datetimeFigureOut">
               <a:rPr lang="en-US" smtClean="0"/>
-              <a:t>7/22/2022</a:t>
+              <a:t>7/23/2022</a:t>
             </a:fld>
             <a:endParaRPr lang="en-US"/>
           </a:p>
@@ -2069,7 +2069,7 @@
           <a:p>
             <a:fld id="{42EBA33D-7E89-4F4B-AA30-9ED4398DB369}" type="datetimeFigureOut">
               <a:rPr lang="en-US" smtClean="0"/>
-              <a:t>7/22/2022</a:t>
+              <a:t>7/23/2022</a:t>
             </a:fld>
             <a:endParaRPr lang="en-US"/>
           </a:p>
@@ -2380,7 +2380,7 @@
           <a:p>
             <a:fld id="{42EBA33D-7E89-4F4B-AA30-9ED4398DB369}" type="datetimeFigureOut">
               <a:rPr lang="en-US" smtClean="0"/>
-              <a:t>7/22/2022</a:t>
+              <a:t>7/23/2022</a:t>
             </a:fld>
             <a:endParaRPr lang="en-US"/>
           </a:p>
@@ -2668,7 +2668,7 @@
           <a:p>
             <a:fld id="{42EBA33D-7E89-4F4B-AA30-9ED4398DB369}" type="datetimeFigureOut">
               <a:rPr lang="en-US" smtClean="0"/>
-              <a:t>7/22/2022</a:t>
+              <a:t>7/23/2022</a:t>
             </a:fld>
             <a:endParaRPr lang="en-US"/>
           </a:p>
@@ -2909,7 +2909,7 @@
           <a:p>
             <a:fld id="{42EBA33D-7E89-4F4B-AA30-9ED4398DB369}" type="datetimeFigureOut">
               <a:rPr lang="en-US" smtClean="0"/>
-              <a:t>7/22/2022</a:t>
+              <a:t>7/23/2022</a:t>
             </a:fld>
             <a:endParaRPr lang="en-US"/>
           </a:p>
@@ -4986,6 +4986,52 @@
           </a:p>
         </p:txBody>
       </p:sp>
+      <p:sp>
+        <p:nvSpPr>
+          <p:cNvPr id="43" name="Arrow: Right 42">
+            <a:extLst>
+              <a:ext uri="{FF2B5EF4-FFF2-40B4-BE49-F238E27FC236}">
+                <a16:creationId xmlns:a16="http://schemas.microsoft.com/office/drawing/2014/main" id="{6B921410-6112-ADAC-3D7C-5C1B60DE2A1D}"/>
+              </a:ext>
+            </a:extLst>
+          </p:cNvPr>
+          <p:cNvSpPr/>
+          <p:nvPr/>
+        </p:nvSpPr>
+        <p:spPr>
+          <a:xfrm>
+            <a:off x="1547938" y="1269731"/>
+            <a:ext cx="392119" cy="232191"/>
+          </a:xfrm>
+          <a:prstGeom prst="rightArrow">
+            <a:avLst/>
+          </a:prstGeom>
+        </p:spPr>
+        <p:style>
+          <a:lnRef idx="2">
+            <a:schemeClr val="accent1">
+              <a:shade val="50000"/>
+            </a:schemeClr>
+          </a:lnRef>
+          <a:fillRef idx="1">
+            <a:schemeClr val="accent1"/>
+          </a:fillRef>
+          <a:effectRef idx="0">
+            <a:schemeClr val="accent1"/>
+          </a:effectRef>
+          <a:fontRef idx="minor">
+            <a:schemeClr val="lt1"/>
+          </a:fontRef>
+        </p:style>
+        <p:txBody>
+          <a:bodyPr rtlCol="0" anchor="ctr"/>
+          <a:lstStyle/>
+          <a:p>
+            <a:pPr algn="ctr"/>
+            <a:endParaRPr lang="en-US"/>
+          </a:p>
+        </p:txBody>
+      </p:sp>
     </p:spTree>
     <p:extLst>
       <p:ext uri="{BB962C8B-B14F-4D97-AF65-F5344CB8AC3E}">
